--- a/test/pptx/list-level/templated.pptx
+++ b/test/pptx/list-level/templated.pptx
@@ -5740,7 +5740,7 @@
           <a:bodyPr/>
           <a:lstStyle/>
           <a:p>
-            <a:pPr lvl="0" marL="0" indent="0">
+            <a:pPr lvl="0" indent="0" marL="0">
               <a:buNone/>
             </a:pPr>
             <a:r>
@@ -5772,7 +5772,7 @@
             </a:r>
           </a:p>
           <a:p>
-            <a:pPr lvl="1">
+            <a:pPr lvl="1" indent="0" marL="457200">
               <a:buNone/>
             </a:pPr>
             <a:r>
@@ -5847,7 +5847,7 @@
           <a:bodyPr/>
           <a:lstStyle/>
           <a:p>
-            <a:pPr lvl="0" marL="0" indent="0">
+            <a:pPr lvl="0" indent="0" marL="0">
               <a:buNone/>
             </a:pPr>
             <a:r>
@@ -5872,7 +5872,7 @@
           <a:bodyPr/>
           <a:lstStyle/>
           <a:p>
-            <a:pPr lvl="0" marL="0" indent="0">
+            <a:pPr lvl="0" indent="0" marL="0">
               <a:buNone/>
             </a:pPr>
             <a:r>
@@ -5881,7 +5881,7 @@
             </a:r>
           </a:p>
           <a:p>
-            <a:pPr lvl="0">
+            <a:pPr lvl="0" indent="-457200" marL="457200">
               <a:buAutoNum type="arabicPeriod"/>
             </a:pPr>
             <a:r>
@@ -5890,7 +5890,7 @@
             </a:r>
           </a:p>
           <a:p>
-            <a:pPr lvl="1">
+            <a:pPr lvl="1" indent="0" marL="457200">
               <a:buNone/>
             </a:pPr>
             <a:r>
@@ -5899,7 +5899,7 @@
             </a:r>
           </a:p>
           <a:p>
-            <a:pPr lvl="1">
+            <a:pPr lvl="1" indent="-457200" marL="914400">
               <a:buAutoNum type="arabicPeriod"/>
             </a:pPr>
             <a:r>
@@ -5908,7 +5908,7 @@
             </a:r>
           </a:p>
           <a:p>
-            <a:pPr lvl="2">
+            <a:pPr lvl="2" indent="0" marL="914400">
               <a:buNone/>
             </a:pPr>
             <a:r>
@@ -5917,7 +5917,7 @@
             </a:r>
           </a:p>
           <a:p>
-            <a:pPr lvl="1">
+            <a:pPr lvl="1" indent="-457200" marL="914400">
               <a:buAutoNum type="arabicPeriod"/>
             </a:pPr>
             <a:r>
@@ -5926,7 +5926,7 @@
             </a:r>
           </a:p>
           <a:p>
-            <a:pPr lvl="0">
+            <a:pPr lvl="0" indent="-457200" marL="457200">
               <a:buAutoNum type="arabicPeriod"/>
             </a:pPr>
             <a:r>
@@ -5935,7 +5935,7 @@
             </a:r>
           </a:p>
           <a:p>
-            <a:pPr lvl="0" marL="0" indent="0">
+            <a:pPr lvl="0" indent="0" marL="0">
               <a:buNone/>
             </a:pPr>
             <a:r>
